--- a/Drive/TussenPresentatie.pptx
+++ b/Drive/TussenPresentatie.pptx
@@ -7,6 +7,9 @@
   <p:sldIdLst>
     <p:sldId id="256" r:id="rId2"/>
     <p:sldId id="257" r:id="rId3"/>
+    <p:sldId id="258" r:id="rId4"/>
+    <p:sldId id="259" r:id="rId5"/>
+    <p:sldId id="260" r:id="rId6"/>
   </p:sldIdLst>
   <p:sldSz cx="12192000" cy="6858000"/>
   <p:notesSz cx="6858000" cy="9144000"/>
@@ -309,7 +312,7 @@
           <a:p>
             <a:fld id="{ECD19FB2-3AAB-4D03-B13A-2960828C78E3}" type="datetimeFigureOut">
               <a:rPr lang="en-US" dirty="0"/>
-              <a:t>12/14/2015</a:t>
+              <a:t>12/15/2015</a:t>
             </a:fld>
             <a:endParaRPr lang="en-US" dirty="0"/>
           </a:p>
@@ -590,7 +593,7 @@
           <a:p>
             <a:fld id="{1B80C674-7DFC-42FE-B9CD-82963CDB1557}" type="datetimeFigureOut">
               <a:rPr lang="en-US" dirty="0"/>
-              <a:t>12/14/2015</a:t>
+              <a:t>12/15/2015</a:t>
             </a:fld>
             <a:endParaRPr lang="en-US" dirty="0"/>
           </a:p>
@@ -781,7 +784,7 @@
           <a:p>
             <a:fld id="{2076456F-F47D-4F25-8053-2A695DA0CA7D}" type="datetimeFigureOut">
               <a:rPr lang="en-US" dirty="0"/>
-              <a:t>12/14/2015</a:t>
+              <a:t>12/15/2015</a:t>
             </a:fld>
             <a:endParaRPr lang="en-US" dirty="0"/>
           </a:p>
@@ -1041,7 +1044,7 @@
           <a:p>
             <a:fld id="{5D6C7379-69CC-4837-9905-BEBA22830C8A}" type="datetimeFigureOut">
               <a:rPr lang="en-US" dirty="0"/>
-              <a:t>12/14/2015</a:t>
+              <a:t>12/15/2015</a:t>
             </a:fld>
             <a:endParaRPr lang="en-US" dirty="0"/>
           </a:p>
@@ -1466,7 +1469,7 @@
           <a:p>
             <a:fld id="{49EB8B7E-8AEE-4F10-BFEE-C999AD004D36}" type="datetimeFigureOut">
               <a:rPr lang="en-US" dirty="0"/>
-              <a:t>12/14/2015</a:t>
+              <a:t>12/15/2015</a:t>
             </a:fld>
             <a:endParaRPr lang="en-US" dirty="0"/>
           </a:p>
@@ -2011,7 +2014,7 @@
           <a:p>
             <a:fld id="{8668F3F9-58BC-440B-B37B-805B9055EF92}" type="datetimeFigureOut">
               <a:rPr lang="en-US" dirty="0"/>
-              <a:t>12/14/2015</a:t>
+              <a:t>12/15/2015</a:t>
             </a:fld>
             <a:endParaRPr lang="en-US" dirty="0"/>
           </a:p>
@@ -2841,7 +2844,7 @@
           <a:p>
             <a:fld id="{0D5A53AF-48EA-489D-8260-9DCAB666386A}" type="datetimeFigureOut">
               <a:rPr lang="en-US" dirty="0"/>
-              <a:t>12/14/2015</a:t>
+              <a:t>12/15/2015</a:t>
             </a:fld>
             <a:endParaRPr lang="en-US" dirty="0"/>
           </a:p>
@@ -3010,7 +3013,7 @@
           <a:p>
             <a:fld id="{0DED02AE-B9A4-47BD-AF8E-97E16144138B}" type="datetimeFigureOut">
               <a:rPr lang="en-US" dirty="0"/>
-              <a:t>12/14/2015</a:t>
+              <a:t>12/15/2015</a:t>
             </a:fld>
             <a:endParaRPr lang="en-US" dirty="0"/>
           </a:p>
@@ -3189,7 +3192,7 @@
           <a:p>
             <a:fld id="{CF0FD78B-DB02-4362-BCDC-98A55456977C}" type="datetimeFigureOut">
               <a:rPr lang="en-US" dirty="0"/>
-              <a:t>12/14/2015</a:t>
+              <a:t>12/15/2015</a:t>
             </a:fld>
             <a:endParaRPr lang="en-US" dirty="0"/>
           </a:p>
@@ -3358,7 +3361,7 @@
           <a:p>
             <a:fld id="{99916976-5D93-46E4-A98A-FAD63E4D0EA8}" type="datetimeFigureOut">
               <a:rPr lang="en-US" dirty="0"/>
-              <a:t>12/14/2015</a:t>
+              <a:t>12/15/2015</a:t>
             </a:fld>
             <a:endParaRPr lang="en-US" dirty="0"/>
           </a:p>
@@ -3614,7 +3617,7 @@
           <a:p>
             <a:fld id="{0F39F4F5-F4D2-4D2A-AB60-88D37ADCB869}" type="datetimeFigureOut">
               <a:rPr lang="en-US" dirty="0"/>
-              <a:t>12/14/2015</a:t>
+              <a:t>12/15/2015</a:t>
             </a:fld>
             <a:endParaRPr lang="en-US" dirty="0"/>
           </a:p>
@@ -3845,7 +3848,7 @@
           <a:p>
             <a:fld id="{D23BC6CE-6D1E-47E5-8859-F31AC5380EB2}" type="datetimeFigureOut">
               <a:rPr lang="en-US" dirty="0"/>
-              <a:t>12/14/2015</a:t>
+              <a:t>12/15/2015</a:t>
             </a:fld>
             <a:endParaRPr lang="en-US" dirty="0"/>
           </a:p>
@@ -4237,7 +4240,7 @@
           <a:p>
             <a:fld id="{B1B4E7C4-4DA4-404D-9965-B13F2DD7D8BF}" type="datetimeFigureOut">
               <a:rPr lang="en-US" dirty="0"/>
-              <a:t>12/14/2015</a:t>
+              <a:t>12/15/2015</a:t>
             </a:fld>
             <a:endParaRPr lang="en-US" dirty="0"/>
           </a:p>
@@ -4354,7 +4357,7 @@
           <a:p>
             <a:fld id="{476FB7AA-4A53-424F-AD41-70827B6504BA}" type="datetimeFigureOut">
               <a:rPr lang="en-US" dirty="0"/>
-              <a:t>12/14/2015</a:t>
+              <a:t>12/15/2015</a:t>
             </a:fld>
             <a:endParaRPr lang="en-US" dirty="0"/>
           </a:p>
@@ -4448,7 +4451,7 @@
           <a:p>
             <a:fld id="{E7884882-FB12-4BC8-9960-9AD8104D7FAE}" type="datetimeFigureOut">
               <a:rPr lang="en-US" dirty="0"/>
-              <a:t>12/14/2015</a:t>
+              <a:t>12/15/2015</a:t>
             </a:fld>
             <a:endParaRPr lang="en-US" dirty="0"/>
           </a:p>
@@ -4720,7 +4723,7 @@
           <a:p>
             <a:fld id="{F7D1BD23-6E54-4D9D-AD88-A2813C73CC25}" type="datetimeFigureOut">
               <a:rPr lang="en-US" dirty="0"/>
-              <a:t>12/14/2015</a:t>
+              <a:t>12/15/2015</a:t>
             </a:fld>
             <a:endParaRPr lang="en-US" dirty="0"/>
           </a:p>
@@ -5000,7 +5003,7 @@
           <a:p>
             <a:fld id="{1471A834-4F3C-4AF9-9C74-05EC35A0F292}" type="datetimeFigureOut">
               <a:rPr lang="en-US" dirty="0"/>
-              <a:t>12/14/2015</a:t>
+              <a:t>12/15/2015</a:t>
             </a:fld>
             <a:endParaRPr lang="en-US" dirty="0"/>
           </a:p>
@@ -5239,7 +5242,7 @@
           <a:p>
             <a:fld id="{51CF1133-3259-4C45-BABA-5B62D9C6F78D}" type="datetimeFigureOut">
               <a:rPr lang="en-US" dirty="0"/>
-              <a:t>12/14/2015</a:t>
+              <a:t>12/15/2015</a:t>
             </a:fld>
             <a:endParaRPr lang="en-US" dirty="0"/>
           </a:p>
@@ -5916,6 +5919,9 @@
             <a:endParaRPr lang="nl-NL" sz="3600" dirty="0"/>
           </a:p>
           <a:p>
+            <a:pPr marL="0" indent="0">
+              <a:buNone/>
+            </a:pPr>
             <a:r>
               <a:rPr lang="nl-NL" sz="3600" dirty="0" smtClean="0"/>
               <a:t>Laurens  </a:t>
@@ -5972,6 +5978,13 @@
   <p:clrMapOvr>
     <a:masterClrMapping/>
   </p:clrMapOvr>
+  <p:timing>
+    <p:tnLst>
+      <p:par>
+        <p:cTn id="1" dur="indefinite" restart="never" nodeType="tmRoot"/>
+      </p:par>
+    </p:tnLst>
+  </p:timing>
 </p:sld>
 </file>
 
@@ -6067,11 +6080,7 @@
           <a:p>
             <a:r>
               <a:rPr lang="nl-NL" sz="3600" dirty="0" smtClean="0"/>
-              <a:t>Wat moet er nog in verwerkt worden </a:t>
-            </a:r>
-            <a:r>
-              <a:rPr lang="nl-NL" sz="3600" dirty="0" smtClean="0"/>
-              <a:t>?</a:t>
+              <a:t>Wat moet er nog in verwerkt worden ?</a:t>
             </a:r>
           </a:p>
           <a:p>
@@ -6096,6 +6105,380 @@
   <p:clrMapOvr>
     <a:masterClrMapping/>
   </p:clrMapOvr>
+  <p:timing>
+    <p:tnLst>
+      <p:par>
+        <p:cTn id="1" dur="indefinite" restart="never" nodeType="tmRoot"/>
+      </p:par>
+    </p:tnLst>
+  </p:timing>
+</p:sld>
+</file>
+
+<file path=ppt/slides/slide3.xml><?xml version="1.0" encoding="utf-8"?>
+<p:sld xmlns:a="http://schemas.openxmlformats.org/drawingml/2006/main" xmlns:r="http://schemas.openxmlformats.org/officeDocument/2006/relationships" xmlns:p="http://schemas.openxmlformats.org/presentationml/2006/main">
+  <p:cSld>
+    <p:spTree>
+      <p:nvGrpSpPr>
+        <p:cNvPr id="1" name=""/>
+        <p:cNvGrpSpPr/>
+        <p:nvPr/>
+      </p:nvGrpSpPr>
+      <p:grpSpPr>
+        <a:xfrm>
+          <a:off x="0" y="0"/>
+          <a:ext cx="0" cy="0"/>
+          <a:chOff x="0" y="0"/>
+          <a:chExt cx="0" cy="0"/>
+        </a:xfrm>
+      </p:grpSpPr>
+      <p:sp>
+        <p:nvSpPr>
+          <p:cNvPr id="2" name="Titel 1"/>
+          <p:cNvSpPr>
+            <a:spLocks noGrp="1"/>
+          </p:cNvSpPr>
+          <p:nvPr>
+            <p:ph type="title"/>
+          </p:nvPr>
+        </p:nvSpPr>
+        <p:spPr/>
+        <p:txBody>
+          <a:bodyPr/>
+          <a:lstStyle/>
+          <a:p>
+            <a:pPr algn="ctr"/>
+            <a:r>
+              <a:rPr lang="nl-NL" dirty="0" smtClean="0"/>
+              <a:t>Wat is </a:t>
+            </a:r>
+            <a:r>
+              <a:rPr lang="nl-NL" dirty="0" err="1" smtClean="0"/>
+              <a:t>PocketTopo</a:t>
+            </a:r>
+            <a:r>
+              <a:rPr lang="nl-NL" dirty="0" smtClean="0"/>
+              <a:t> ? En Waarom?</a:t>
+            </a:r>
+            <a:endParaRPr lang="nl-NL" dirty="0"/>
+          </a:p>
+        </p:txBody>
+      </p:sp>
+      <p:sp>
+        <p:nvSpPr>
+          <p:cNvPr id="3" name="Tijdelijke aanduiding voor inhoud 2"/>
+          <p:cNvSpPr>
+            <a:spLocks noGrp="1"/>
+          </p:cNvSpPr>
+          <p:nvPr>
+            <p:ph idx="1"/>
+          </p:nvPr>
+        </p:nvSpPr>
+        <p:spPr/>
+        <p:txBody>
+          <a:bodyPr/>
+          <a:lstStyle/>
+          <a:p>
+            <a:r>
+              <a:rPr lang="nl-NL" dirty="0" smtClean="0"/>
+              <a:t>Android Applicatie</a:t>
+            </a:r>
+          </a:p>
+          <a:p>
+            <a:pPr marL="0" indent="0">
+              <a:buNone/>
+            </a:pPr>
+            <a:endParaRPr lang="nl-NL" dirty="0" smtClean="0"/>
+          </a:p>
+          <a:p>
+            <a:r>
+              <a:rPr lang="nl-NL" dirty="0" smtClean="0"/>
+              <a:t>Doelgroep scholieren die topografie moeten leren</a:t>
+            </a:r>
+            <a:endParaRPr lang="nl-NL" dirty="0"/>
+          </a:p>
+          <a:p>
+            <a:pPr marL="0" indent="0">
+              <a:buNone/>
+            </a:pPr>
+            <a:endParaRPr lang="nl-NL" dirty="0" smtClean="0"/>
+          </a:p>
+          <a:p>
+            <a:r>
+              <a:rPr lang="nl-NL" dirty="0" smtClean="0"/>
+              <a:t>Spelenderwijs leren positief effect </a:t>
+            </a:r>
+          </a:p>
+          <a:p>
+            <a:endParaRPr lang="nl-NL" dirty="0" smtClean="0"/>
+          </a:p>
+          <a:p>
+            <a:r>
+              <a:rPr lang="nl-NL" dirty="0" smtClean="0"/>
+              <a:t>Geen losse blaadjes of extra boeken</a:t>
+            </a:r>
+          </a:p>
+        </p:txBody>
+      </p:sp>
+    </p:spTree>
+    <p:extLst>
+      <p:ext uri="{BB962C8B-B14F-4D97-AF65-F5344CB8AC3E}">
+        <p14:creationId xmlns:p14="http://schemas.microsoft.com/office/powerpoint/2010/main" val="2560968657"/>
+      </p:ext>
+    </p:extLst>
+  </p:cSld>
+  <p:clrMapOvr>
+    <a:masterClrMapping/>
+  </p:clrMapOvr>
+  <p:timing>
+    <p:tnLst>
+      <p:par>
+        <p:cTn id="1" dur="indefinite" restart="never" nodeType="tmRoot"/>
+      </p:par>
+    </p:tnLst>
+  </p:timing>
+</p:sld>
+</file>
+
+<file path=ppt/slides/slide4.xml><?xml version="1.0" encoding="utf-8"?>
+<p:sld xmlns:a="http://schemas.openxmlformats.org/drawingml/2006/main" xmlns:r="http://schemas.openxmlformats.org/officeDocument/2006/relationships" xmlns:p="http://schemas.openxmlformats.org/presentationml/2006/main">
+  <p:cSld>
+    <p:spTree>
+      <p:nvGrpSpPr>
+        <p:cNvPr id="1" name=""/>
+        <p:cNvGrpSpPr/>
+        <p:nvPr/>
+      </p:nvGrpSpPr>
+      <p:grpSpPr>
+        <a:xfrm>
+          <a:off x="0" y="0"/>
+          <a:ext cx="0" cy="0"/>
+          <a:chOff x="0" y="0"/>
+          <a:chExt cx="0" cy="0"/>
+        </a:xfrm>
+      </p:grpSpPr>
+      <p:sp>
+        <p:nvSpPr>
+          <p:cNvPr id="2" name="Titel 1"/>
+          <p:cNvSpPr>
+            <a:spLocks noGrp="1"/>
+          </p:cNvSpPr>
+          <p:nvPr>
+            <p:ph type="title"/>
+          </p:nvPr>
+        </p:nvSpPr>
+        <p:spPr/>
+        <p:txBody>
+          <a:bodyPr>
+            <a:normAutofit/>
+          </a:bodyPr>
+          <a:lstStyle/>
+          <a:p>
+            <a:r>
+              <a:rPr lang="nl-NL" dirty="0" smtClean="0"/>
+              <a:t>Wat bevat het product momenteel ?</a:t>
+            </a:r>
+            <a:endParaRPr lang="nl-NL" dirty="0"/>
+          </a:p>
+        </p:txBody>
+      </p:sp>
+      <p:sp>
+        <p:nvSpPr>
+          <p:cNvPr id="3" name="Tijdelijke aanduiding voor inhoud 2"/>
+          <p:cNvSpPr>
+            <a:spLocks noGrp="1"/>
+          </p:cNvSpPr>
+          <p:nvPr>
+            <p:ph idx="1"/>
+          </p:nvPr>
+        </p:nvSpPr>
+        <p:spPr/>
+        <p:txBody>
+          <a:bodyPr/>
+          <a:lstStyle/>
+          <a:p>
+            <a:r>
+              <a:rPr lang="nl-NL" dirty="0" smtClean="0"/>
+              <a:t>User Interface met verschillende </a:t>
+            </a:r>
+            <a:r>
+              <a:rPr lang="nl-NL" dirty="0" err="1" smtClean="0"/>
+              <a:t>activities</a:t>
+            </a:r>
+            <a:endParaRPr lang="nl-NL" dirty="0" smtClean="0"/>
+          </a:p>
+          <a:p>
+            <a:endParaRPr lang="nl-NL" dirty="0"/>
+          </a:p>
+          <a:p>
+            <a:endParaRPr lang="nl-NL" dirty="0" smtClean="0"/>
+          </a:p>
+          <a:p>
+            <a:r>
+              <a:rPr lang="nl-NL" dirty="0" smtClean="0"/>
+              <a:t>Een Link naar de database</a:t>
+            </a:r>
+          </a:p>
+          <a:p>
+            <a:endParaRPr lang="nl-NL" dirty="0"/>
+          </a:p>
+          <a:p>
+            <a:endParaRPr lang="nl-NL" dirty="0" smtClean="0"/>
+          </a:p>
+          <a:p>
+            <a:r>
+              <a:rPr lang="nl-NL" dirty="0" smtClean="0"/>
+              <a:t>Vraagfragmenten die type vraag aanduiden</a:t>
+            </a:r>
+            <a:endParaRPr lang="nl-NL" dirty="0"/>
+          </a:p>
+        </p:txBody>
+      </p:sp>
+    </p:spTree>
+    <p:extLst>
+      <p:ext uri="{BB962C8B-B14F-4D97-AF65-F5344CB8AC3E}">
+        <p14:creationId xmlns:p14="http://schemas.microsoft.com/office/powerpoint/2010/main" val="4041430414"/>
+      </p:ext>
+    </p:extLst>
+  </p:cSld>
+  <p:clrMapOvr>
+    <a:masterClrMapping/>
+  </p:clrMapOvr>
+  <p:timing>
+    <p:tnLst>
+      <p:par>
+        <p:cTn id="1" dur="indefinite" restart="never" nodeType="tmRoot"/>
+      </p:par>
+    </p:tnLst>
+  </p:timing>
+</p:sld>
+</file>
+
+<file path=ppt/slides/slide5.xml><?xml version="1.0" encoding="utf-8"?>
+<p:sld xmlns:a="http://schemas.openxmlformats.org/drawingml/2006/main" xmlns:r="http://schemas.openxmlformats.org/officeDocument/2006/relationships" xmlns:p="http://schemas.openxmlformats.org/presentationml/2006/main">
+  <p:cSld>
+    <p:spTree>
+      <p:nvGrpSpPr>
+        <p:cNvPr id="1" name=""/>
+        <p:cNvGrpSpPr/>
+        <p:nvPr/>
+      </p:nvGrpSpPr>
+      <p:grpSpPr>
+        <a:xfrm>
+          <a:off x="0" y="0"/>
+          <a:ext cx="0" cy="0"/>
+          <a:chOff x="0" y="0"/>
+          <a:chExt cx="0" cy="0"/>
+        </a:xfrm>
+      </p:grpSpPr>
+      <p:sp>
+        <p:nvSpPr>
+          <p:cNvPr id="2" name="Titel 1"/>
+          <p:cNvSpPr>
+            <a:spLocks noGrp="1"/>
+          </p:cNvSpPr>
+          <p:nvPr>
+            <p:ph type="title"/>
+          </p:nvPr>
+        </p:nvSpPr>
+        <p:spPr/>
+        <p:txBody>
+          <a:bodyPr>
+            <a:normAutofit fontScale="90000"/>
+          </a:bodyPr>
+          <a:lstStyle/>
+          <a:p>
+            <a:r>
+              <a:rPr lang="nl-NL" dirty="0" smtClean="0"/>
+              <a:t>Wat moet er nog in verwerkt worden ?</a:t>
+            </a:r>
+            <a:endParaRPr lang="nl-NL" dirty="0"/>
+          </a:p>
+        </p:txBody>
+      </p:sp>
+      <p:sp>
+        <p:nvSpPr>
+          <p:cNvPr id="3" name="Tijdelijke aanduiding voor inhoud 2"/>
+          <p:cNvSpPr>
+            <a:spLocks noGrp="1"/>
+          </p:cNvSpPr>
+          <p:nvPr>
+            <p:ph idx="1"/>
+          </p:nvPr>
+        </p:nvSpPr>
+        <p:spPr/>
+        <p:txBody>
+          <a:bodyPr>
+            <a:normAutofit/>
+          </a:bodyPr>
+          <a:lstStyle/>
+          <a:p>
+            <a:r>
+              <a:rPr lang="nl-NL" dirty="0" smtClean="0"/>
+              <a:t>Selectie van de gebruiker</a:t>
+            </a:r>
+          </a:p>
+          <a:p>
+            <a:pPr marL="0" indent="0">
+              <a:buNone/>
+            </a:pPr>
+            <a:endParaRPr lang="nl-NL" dirty="0" smtClean="0"/>
+          </a:p>
+          <a:p>
+            <a:r>
+              <a:rPr lang="nl-NL" dirty="0" smtClean="0"/>
+              <a:t>Kaart &amp;Vraag genereren</a:t>
+            </a:r>
+          </a:p>
+          <a:p>
+            <a:endParaRPr lang="nl-NL" dirty="0"/>
+          </a:p>
+          <a:p>
+            <a:r>
+              <a:rPr lang="nl-NL" dirty="0" smtClean="0"/>
+              <a:t>Herhalingen van foute vragen</a:t>
+            </a:r>
+          </a:p>
+          <a:p>
+            <a:pPr marL="0" indent="0">
+              <a:buNone/>
+            </a:pPr>
+            <a:endParaRPr lang="nl-NL" dirty="0" smtClean="0"/>
+          </a:p>
+          <a:p>
+            <a:r>
+              <a:rPr lang="nl-NL" dirty="0" smtClean="0"/>
+              <a:t>Eindscherm met daarin feedback voor de gebruiker</a:t>
+            </a:r>
+          </a:p>
+          <a:p>
+            <a:endParaRPr lang="nl-NL" dirty="0"/>
+          </a:p>
+          <a:p>
+            <a:endParaRPr lang="nl-NL" dirty="0" smtClean="0"/>
+          </a:p>
+          <a:p>
+            <a:endParaRPr lang="nl-NL" dirty="0" smtClean="0"/>
+          </a:p>
+        </p:txBody>
+      </p:sp>
+    </p:spTree>
+    <p:extLst>
+      <p:ext uri="{BB962C8B-B14F-4D97-AF65-F5344CB8AC3E}">
+        <p14:creationId xmlns:p14="http://schemas.microsoft.com/office/powerpoint/2010/main" val="839950418"/>
+      </p:ext>
+    </p:extLst>
+  </p:cSld>
+  <p:clrMapOvr>
+    <a:masterClrMapping/>
+  </p:clrMapOvr>
+  <p:timing>
+    <p:tnLst>
+      <p:par>
+        <p:cTn id="1" dur="indefinite" restart="never" nodeType="tmRoot"/>
+      </p:par>
+    </p:tnLst>
+  </p:timing>
 </p:sld>
 </file>
 

--- a/Drive/TussenPresentatie.pptx
+++ b/Drive/TussenPresentatie.pptx
@@ -10,6 +10,7 @@
     <p:sldId id="258" r:id="rId4"/>
     <p:sldId id="259" r:id="rId5"/>
     <p:sldId id="260" r:id="rId6"/>
+    <p:sldId id="261" r:id="rId7"/>
   </p:sldIdLst>
   <p:sldSz cx="12192000" cy="6858000"/>
   <p:notesSz cx="6858000" cy="9144000"/>
@@ -6042,7 +6043,7 @@
         <p:spPr/>
         <p:txBody>
           <a:bodyPr>
-            <a:normAutofit/>
+            <a:normAutofit fontScale="85000" lnSpcReduction="20000"/>
           </a:bodyPr>
           <a:lstStyle/>
           <a:p>
@@ -6080,8 +6081,22 @@
           <a:p>
             <a:r>
               <a:rPr lang="nl-NL" sz="3600" dirty="0" smtClean="0"/>
-              <a:t>Wat moet er nog in verwerkt worden ?</a:t>
-            </a:r>
+              <a:t>Wat moet er nog in verwerkt worden </a:t>
+            </a:r>
+            <a:r>
+              <a:rPr lang="nl-NL" sz="3600" dirty="0" smtClean="0"/>
+              <a:t>?</a:t>
+            </a:r>
+          </a:p>
+          <a:p>
+            <a:endParaRPr lang="nl-NL" sz="3600" dirty="0"/>
+          </a:p>
+          <a:p>
+            <a:r>
+              <a:rPr lang="nl-NL" sz="3600" dirty="0" smtClean="0"/>
+              <a:t>Tussen Evaluatie</a:t>
+            </a:r>
+            <a:endParaRPr lang="nl-NL" sz="3600" dirty="0" smtClean="0"/>
           </a:p>
           <a:p>
             <a:endParaRPr lang="nl-NL" sz="3600" dirty="0"/>
@@ -6328,7 +6343,7 @@
           <a:p>
             <a:r>
               <a:rPr lang="nl-NL" dirty="0" smtClean="0"/>
-              <a:t>Vraagfragmenten die type vraag aanduiden</a:t>
+              <a:t>Bezig met vraag genereren</a:t>
             </a:r>
             <a:endParaRPr lang="nl-NL" dirty="0"/>
           </a:p>
@@ -6466,6 +6481,114 @@
     <p:extLst>
       <p:ext uri="{BB962C8B-B14F-4D97-AF65-F5344CB8AC3E}">
         <p14:creationId xmlns:p14="http://schemas.microsoft.com/office/powerpoint/2010/main" val="839950418"/>
+      </p:ext>
+    </p:extLst>
+  </p:cSld>
+  <p:clrMapOvr>
+    <a:masterClrMapping/>
+  </p:clrMapOvr>
+  <p:timing>
+    <p:tnLst>
+      <p:par>
+        <p:cTn id="1" dur="indefinite" restart="never" nodeType="tmRoot"/>
+      </p:par>
+    </p:tnLst>
+  </p:timing>
+</p:sld>
+</file>
+
+<file path=ppt/slides/slide6.xml><?xml version="1.0" encoding="utf-8"?>
+<p:sld xmlns:a="http://schemas.openxmlformats.org/drawingml/2006/main" xmlns:r="http://schemas.openxmlformats.org/officeDocument/2006/relationships" xmlns:p="http://schemas.openxmlformats.org/presentationml/2006/main">
+  <p:cSld>
+    <p:spTree>
+      <p:nvGrpSpPr>
+        <p:cNvPr id="1" name=""/>
+        <p:cNvGrpSpPr/>
+        <p:nvPr/>
+      </p:nvGrpSpPr>
+      <p:grpSpPr>
+        <a:xfrm>
+          <a:off x="0" y="0"/>
+          <a:ext cx="0" cy="0"/>
+          <a:chOff x="0" y="0"/>
+          <a:chExt cx="0" cy="0"/>
+        </a:xfrm>
+      </p:grpSpPr>
+      <p:sp>
+        <p:nvSpPr>
+          <p:cNvPr id="2" name="Titel 1"/>
+          <p:cNvSpPr>
+            <a:spLocks noGrp="1"/>
+          </p:cNvSpPr>
+          <p:nvPr>
+            <p:ph type="title"/>
+          </p:nvPr>
+        </p:nvSpPr>
+        <p:spPr/>
+        <p:txBody>
+          <a:bodyPr/>
+          <a:lstStyle/>
+          <a:p>
+            <a:pPr algn="ctr"/>
+            <a:r>
+              <a:rPr lang="nl-NL" dirty="0" smtClean="0"/>
+              <a:t>Tussen Evaluatie</a:t>
+            </a:r>
+            <a:endParaRPr lang="nl-NL" dirty="0"/>
+          </a:p>
+        </p:txBody>
+      </p:sp>
+      <p:sp>
+        <p:nvSpPr>
+          <p:cNvPr id="3" name="Tijdelijke aanduiding voor inhoud 2"/>
+          <p:cNvSpPr>
+            <a:spLocks noGrp="1"/>
+          </p:cNvSpPr>
+          <p:nvPr>
+            <p:ph idx="1"/>
+          </p:nvPr>
+        </p:nvSpPr>
+        <p:spPr/>
+        <p:txBody>
+          <a:bodyPr/>
+          <a:lstStyle/>
+          <a:p>
+            <a:r>
+              <a:rPr lang="nl-NL" dirty="0"/>
+              <a:t>Minder goede communicatie in het begin</a:t>
+            </a:r>
+          </a:p>
+          <a:p>
+            <a:pPr marL="0" indent="0">
+              <a:buNone/>
+            </a:pPr>
+            <a:endParaRPr lang="nl-NL" dirty="0"/>
+          </a:p>
+          <a:p>
+            <a:r>
+              <a:rPr lang="nl-NL" dirty="0" smtClean="0"/>
+              <a:t>Wel aan deadlines gehouden</a:t>
+            </a:r>
+          </a:p>
+          <a:p>
+            <a:pPr marL="0" indent="0">
+              <a:buNone/>
+            </a:pPr>
+            <a:endParaRPr lang="nl-NL" dirty="0"/>
+          </a:p>
+          <a:p>
+            <a:r>
+              <a:rPr lang="nl-NL" dirty="0" smtClean="0"/>
+              <a:t>Verloren tijd in de kerstvakantie inhalen</a:t>
+            </a:r>
+            <a:endParaRPr lang="nl-NL" dirty="0"/>
+          </a:p>
+        </p:txBody>
+      </p:sp>
+    </p:spTree>
+    <p:extLst>
+      <p:ext uri="{BB962C8B-B14F-4D97-AF65-F5344CB8AC3E}">
+        <p14:creationId xmlns:p14="http://schemas.microsoft.com/office/powerpoint/2010/main" val="2385036491"/>
       </p:ext>
     </p:extLst>
   </p:cSld>
